--- a/fusionGraphics.pptx
+++ b/fusionGraphics.pptx
@@ -259,7 +259,7 @@
           <a:p>
             <a:fld id="{68D9E84B-BAFF-4302-8D7C-2D3247FF6D30}" type="datetimeFigureOut">
               <a:rPr lang="en-US" smtClean="0"/>
-              <a:t>7/11/2023</a:t>
+              <a:t>7/12/2023</a:t>
             </a:fld>
             <a:endParaRPr lang="en-US"/>
           </a:p>
@@ -457,7 +457,7 @@
           <a:p>
             <a:fld id="{68D9E84B-BAFF-4302-8D7C-2D3247FF6D30}" type="datetimeFigureOut">
               <a:rPr lang="en-US" smtClean="0"/>
-              <a:t>7/11/2023</a:t>
+              <a:t>7/12/2023</a:t>
             </a:fld>
             <a:endParaRPr lang="en-US"/>
           </a:p>
@@ -665,7 +665,7 @@
           <a:p>
             <a:fld id="{68D9E84B-BAFF-4302-8D7C-2D3247FF6D30}" type="datetimeFigureOut">
               <a:rPr lang="en-US" smtClean="0"/>
-              <a:t>7/11/2023</a:t>
+              <a:t>7/12/2023</a:t>
             </a:fld>
             <a:endParaRPr lang="en-US"/>
           </a:p>
@@ -863,7 +863,7 @@
           <a:p>
             <a:fld id="{68D9E84B-BAFF-4302-8D7C-2D3247FF6D30}" type="datetimeFigureOut">
               <a:rPr lang="en-US" smtClean="0"/>
-              <a:t>7/11/2023</a:t>
+              <a:t>7/12/2023</a:t>
             </a:fld>
             <a:endParaRPr lang="en-US"/>
           </a:p>
@@ -1138,7 +1138,7 @@
           <a:p>
             <a:fld id="{68D9E84B-BAFF-4302-8D7C-2D3247FF6D30}" type="datetimeFigureOut">
               <a:rPr lang="en-US" smtClean="0"/>
-              <a:t>7/11/2023</a:t>
+              <a:t>7/12/2023</a:t>
             </a:fld>
             <a:endParaRPr lang="en-US"/>
           </a:p>
@@ -1403,7 +1403,7 @@
           <a:p>
             <a:fld id="{68D9E84B-BAFF-4302-8D7C-2D3247FF6D30}" type="datetimeFigureOut">
               <a:rPr lang="en-US" smtClean="0"/>
-              <a:t>7/11/2023</a:t>
+              <a:t>7/12/2023</a:t>
             </a:fld>
             <a:endParaRPr lang="en-US"/>
           </a:p>
@@ -1815,7 +1815,7 @@
           <a:p>
             <a:fld id="{68D9E84B-BAFF-4302-8D7C-2D3247FF6D30}" type="datetimeFigureOut">
               <a:rPr lang="en-US" smtClean="0"/>
-              <a:t>7/11/2023</a:t>
+              <a:t>7/12/2023</a:t>
             </a:fld>
             <a:endParaRPr lang="en-US"/>
           </a:p>
@@ -1956,7 +1956,7 @@
           <a:p>
             <a:fld id="{68D9E84B-BAFF-4302-8D7C-2D3247FF6D30}" type="datetimeFigureOut">
               <a:rPr lang="en-US" smtClean="0"/>
-              <a:t>7/11/2023</a:t>
+              <a:t>7/12/2023</a:t>
             </a:fld>
             <a:endParaRPr lang="en-US"/>
           </a:p>
@@ -2069,7 +2069,7 @@
           <a:p>
             <a:fld id="{68D9E84B-BAFF-4302-8D7C-2D3247FF6D30}" type="datetimeFigureOut">
               <a:rPr lang="en-US" smtClean="0"/>
-              <a:t>7/11/2023</a:t>
+              <a:t>7/12/2023</a:t>
             </a:fld>
             <a:endParaRPr lang="en-US"/>
           </a:p>
@@ -2380,7 +2380,7 @@
           <a:p>
             <a:fld id="{68D9E84B-BAFF-4302-8D7C-2D3247FF6D30}" type="datetimeFigureOut">
               <a:rPr lang="en-US" smtClean="0"/>
-              <a:t>7/11/2023</a:t>
+              <a:t>7/12/2023</a:t>
             </a:fld>
             <a:endParaRPr lang="en-US"/>
           </a:p>
@@ -2668,7 +2668,7 @@
           <a:p>
             <a:fld id="{68D9E84B-BAFF-4302-8D7C-2D3247FF6D30}" type="datetimeFigureOut">
               <a:rPr lang="en-US" smtClean="0"/>
-              <a:t>7/11/2023</a:t>
+              <a:t>7/12/2023</a:t>
             </a:fld>
             <a:endParaRPr lang="en-US"/>
           </a:p>
@@ -2909,7 +2909,7 @@
           <a:p>
             <a:fld id="{68D9E84B-BAFF-4302-8D7C-2D3247FF6D30}" type="datetimeFigureOut">
               <a:rPr lang="en-US" smtClean="0"/>
-              <a:t>7/11/2023</a:t>
+              <a:t>7/12/2023</a:t>
             </a:fld>
             <a:endParaRPr lang="en-US"/>
           </a:p>
